--- a/03.pptx
+++ b/03.pptx
@@ -129,7 +129,7 @@
           <p:cNvPr id="2" name="제목 1">
             <a:extLst>
               <a:ext uri="{FF2B5EF4-FFF2-40B4-BE49-F238E27FC236}">
-                <a16:creationId xmlns:a16="http://schemas.microsoft.com/office/drawing/2014/main" id="{E4055633-7AF8-5271-963E-C5EC0668CB93}"/>
+                <a16:creationId xmlns:a16="http://schemas.microsoft.com/office/drawing/2014/main" id="{7B15FF32-A574-2F9E-08C3-E408B387195C}"/>
               </a:ext>
             </a:extLst>
           </p:cNvPr>
@@ -166,7 +166,7 @@
           <p:cNvPr id="3" name="부제목 2">
             <a:extLst>
               <a:ext uri="{FF2B5EF4-FFF2-40B4-BE49-F238E27FC236}">
-                <a16:creationId xmlns:a16="http://schemas.microsoft.com/office/drawing/2014/main" id="{726097B9-B358-3B34-E69E-6B59B9BDAC37}"/>
+                <a16:creationId xmlns:a16="http://schemas.microsoft.com/office/drawing/2014/main" id="{FABAB684-EB25-EAC5-2625-E7A1B7745008}"/>
               </a:ext>
             </a:extLst>
           </p:cNvPr>
@@ -236,7 +236,7 @@
           <p:cNvPr id="4" name="날짜 개체 틀 3">
             <a:extLst>
               <a:ext uri="{FF2B5EF4-FFF2-40B4-BE49-F238E27FC236}">
-                <a16:creationId xmlns:a16="http://schemas.microsoft.com/office/drawing/2014/main" id="{EF16EBDB-B25D-5134-0342-0DF2D3AB0CBA}"/>
+                <a16:creationId xmlns:a16="http://schemas.microsoft.com/office/drawing/2014/main" id="{C79108FE-24E4-0F29-EBEB-0B360D54DBBC}"/>
               </a:ext>
             </a:extLst>
           </p:cNvPr>
@@ -252,7 +252,7 @@
           <a:bodyPr/>
           <a:lstStyle/>
           <a:p>
-            <a:fld id="{30D96424-B58A-4D96-BE7D-482FDFFEE389}" type="datetimeFigureOut">
+            <a:fld id="{A5CD70EC-99E2-47C1-99DA-32B4486BB841}" type="datetimeFigureOut">
               <a:rPr lang="ko-KR" altLang="en-US" smtClean="0"/>
               <a:t>2023-04-15</a:t>
             </a:fld>
@@ -265,7 +265,7 @@
           <p:cNvPr id="5" name="바닥글 개체 틀 4">
             <a:extLst>
               <a:ext uri="{FF2B5EF4-FFF2-40B4-BE49-F238E27FC236}">
-                <a16:creationId xmlns:a16="http://schemas.microsoft.com/office/drawing/2014/main" id="{DB2C6BE0-8114-2563-6448-C77F9BB93963}"/>
+                <a16:creationId xmlns:a16="http://schemas.microsoft.com/office/drawing/2014/main" id="{0AAD7AFF-913B-D469-EA39-C44F40C08825}"/>
               </a:ext>
             </a:extLst>
           </p:cNvPr>
@@ -290,7 +290,7 @@
           <p:cNvPr id="6" name="슬라이드 번호 개체 틀 5">
             <a:extLst>
               <a:ext uri="{FF2B5EF4-FFF2-40B4-BE49-F238E27FC236}">
-                <a16:creationId xmlns:a16="http://schemas.microsoft.com/office/drawing/2014/main" id="{27283C51-08A5-C4A1-A454-13F6D10CB89C}"/>
+                <a16:creationId xmlns:a16="http://schemas.microsoft.com/office/drawing/2014/main" id="{746A6B7A-619C-4838-9A14-1D50CB622453}"/>
               </a:ext>
             </a:extLst>
           </p:cNvPr>
@@ -306,7 +306,7 @@
           <a:bodyPr/>
           <a:lstStyle/>
           <a:p>
-            <a:fld id="{39F79EC4-ABCC-46A6-9EA0-9E76F468F52E}" type="slidenum">
+            <a:fld id="{E84C2610-C31D-42AD-8104-2E09BA5E5D0C}" type="slidenum">
               <a:rPr lang="ko-KR" altLang="en-US" smtClean="0"/>
               <a:t>‹#›</a:t>
             </a:fld>
@@ -317,7 +317,7 @@
     </p:spTree>
     <p:extLst>
       <p:ext uri="{BB962C8B-B14F-4D97-AF65-F5344CB8AC3E}">
-        <p14:creationId xmlns:p14="http://schemas.microsoft.com/office/powerpoint/2010/main" val="2277155631"/>
+        <p14:creationId xmlns:p14="http://schemas.microsoft.com/office/powerpoint/2010/main" val="2239529495"/>
       </p:ext>
     </p:extLst>
   </p:cSld>
@@ -349,7 +349,7 @@
           <p:cNvPr id="2" name="제목 1">
             <a:extLst>
               <a:ext uri="{FF2B5EF4-FFF2-40B4-BE49-F238E27FC236}">
-                <a16:creationId xmlns:a16="http://schemas.microsoft.com/office/drawing/2014/main" id="{CB9F047F-A9ED-C8EA-3D10-8E0063B8DBAB}"/>
+                <a16:creationId xmlns:a16="http://schemas.microsoft.com/office/drawing/2014/main" id="{9DB08275-651A-D516-BAA1-D0543681DA8C}"/>
               </a:ext>
             </a:extLst>
           </p:cNvPr>
@@ -377,7 +377,7 @@
           <p:cNvPr id="3" name="세로 텍스트 개체 틀 2">
             <a:extLst>
               <a:ext uri="{FF2B5EF4-FFF2-40B4-BE49-F238E27FC236}">
-                <a16:creationId xmlns:a16="http://schemas.microsoft.com/office/drawing/2014/main" id="{51F4BD24-33B9-59B1-0162-73DCBC1CFEC3}"/>
+                <a16:creationId xmlns:a16="http://schemas.microsoft.com/office/drawing/2014/main" id="{43FE1268-4520-99ED-A23A-0517F2429835}"/>
               </a:ext>
             </a:extLst>
           </p:cNvPr>
@@ -434,7 +434,7 @@
           <p:cNvPr id="4" name="날짜 개체 틀 3">
             <a:extLst>
               <a:ext uri="{FF2B5EF4-FFF2-40B4-BE49-F238E27FC236}">
-                <a16:creationId xmlns:a16="http://schemas.microsoft.com/office/drawing/2014/main" id="{F10E12BA-1F34-1174-1BB0-D8B8FA9FEB57}"/>
+                <a16:creationId xmlns:a16="http://schemas.microsoft.com/office/drawing/2014/main" id="{25FDCAD1-42E4-81ED-BD1C-B8B657431588}"/>
               </a:ext>
             </a:extLst>
           </p:cNvPr>
@@ -450,7 +450,7 @@
           <a:bodyPr/>
           <a:lstStyle/>
           <a:p>
-            <a:fld id="{30D96424-B58A-4D96-BE7D-482FDFFEE389}" type="datetimeFigureOut">
+            <a:fld id="{A5CD70EC-99E2-47C1-99DA-32B4486BB841}" type="datetimeFigureOut">
               <a:rPr lang="ko-KR" altLang="en-US" smtClean="0"/>
               <a:t>2023-04-15</a:t>
             </a:fld>
@@ -463,7 +463,7 @@
           <p:cNvPr id="5" name="바닥글 개체 틀 4">
             <a:extLst>
               <a:ext uri="{FF2B5EF4-FFF2-40B4-BE49-F238E27FC236}">
-                <a16:creationId xmlns:a16="http://schemas.microsoft.com/office/drawing/2014/main" id="{DBC5BD38-3CCA-8F25-619F-E835737678ED}"/>
+                <a16:creationId xmlns:a16="http://schemas.microsoft.com/office/drawing/2014/main" id="{243A77BE-A21E-38E5-48DA-E603B4257E9E}"/>
               </a:ext>
             </a:extLst>
           </p:cNvPr>
@@ -488,7 +488,7 @@
           <p:cNvPr id="6" name="슬라이드 번호 개체 틀 5">
             <a:extLst>
               <a:ext uri="{FF2B5EF4-FFF2-40B4-BE49-F238E27FC236}">
-                <a16:creationId xmlns:a16="http://schemas.microsoft.com/office/drawing/2014/main" id="{5C45657B-B8DC-47CA-4036-5D9D4297CE84}"/>
+                <a16:creationId xmlns:a16="http://schemas.microsoft.com/office/drawing/2014/main" id="{88D8803F-10C2-FB76-20B6-D282EFD25BB6}"/>
               </a:ext>
             </a:extLst>
           </p:cNvPr>
@@ -504,7 +504,7 @@
           <a:bodyPr/>
           <a:lstStyle/>
           <a:p>
-            <a:fld id="{39F79EC4-ABCC-46A6-9EA0-9E76F468F52E}" type="slidenum">
+            <a:fld id="{E84C2610-C31D-42AD-8104-2E09BA5E5D0C}" type="slidenum">
               <a:rPr lang="ko-KR" altLang="en-US" smtClean="0"/>
               <a:t>‹#›</a:t>
             </a:fld>
@@ -515,7 +515,7 @@
     </p:spTree>
     <p:extLst>
       <p:ext uri="{BB962C8B-B14F-4D97-AF65-F5344CB8AC3E}">
-        <p14:creationId xmlns:p14="http://schemas.microsoft.com/office/powerpoint/2010/main" val="870899501"/>
+        <p14:creationId xmlns:p14="http://schemas.microsoft.com/office/powerpoint/2010/main" val="2669275384"/>
       </p:ext>
     </p:extLst>
   </p:cSld>
@@ -547,7 +547,7 @@
           <p:cNvPr id="2" name="세로 제목 1">
             <a:extLst>
               <a:ext uri="{FF2B5EF4-FFF2-40B4-BE49-F238E27FC236}">
-                <a16:creationId xmlns:a16="http://schemas.microsoft.com/office/drawing/2014/main" id="{A892201F-55A1-121C-2A52-99E8E326041C}"/>
+                <a16:creationId xmlns:a16="http://schemas.microsoft.com/office/drawing/2014/main" id="{1C96F89E-B852-0564-2E71-03C046AC10CE}"/>
               </a:ext>
             </a:extLst>
           </p:cNvPr>
@@ -580,7 +580,7 @@
           <p:cNvPr id="3" name="세로 텍스트 개체 틀 2">
             <a:extLst>
               <a:ext uri="{FF2B5EF4-FFF2-40B4-BE49-F238E27FC236}">
-                <a16:creationId xmlns:a16="http://schemas.microsoft.com/office/drawing/2014/main" id="{F7114638-7A4B-1F9B-D706-DAB60451019B}"/>
+                <a16:creationId xmlns:a16="http://schemas.microsoft.com/office/drawing/2014/main" id="{098C1A16-2202-65CD-0FE7-E4B88460049B}"/>
               </a:ext>
             </a:extLst>
           </p:cNvPr>
@@ -642,7 +642,7 @@
           <p:cNvPr id="4" name="날짜 개체 틀 3">
             <a:extLst>
               <a:ext uri="{FF2B5EF4-FFF2-40B4-BE49-F238E27FC236}">
-                <a16:creationId xmlns:a16="http://schemas.microsoft.com/office/drawing/2014/main" id="{F4442220-9EED-4B21-FBED-F136B0908DB8}"/>
+                <a16:creationId xmlns:a16="http://schemas.microsoft.com/office/drawing/2014/main" id="{5E443842-CCB4-E8E5-6DDB-F3F40413C11F}"/>
               </a:ext>
             </a:extLst>
           </p:cNvPr>
@@ -658,7 +658,7 @@
           <a:bodyPr/>
           <a:lstStyle/>
           <a:p>
-            <a:fld id="{30D96424-B58A-4D96-BE7D-482FDFFEE389}" type="datetimeFigureOut">
+            <a:fld id="{A5CD70EC-99E2-47C1-99DA-32B4486BB841}" type="datetimeFigureOut">
               <a:rPr lang="ko-KR" altLang="en-US" smtClean="0"/>
               <a:t>2023-04-15</a:t>
             </a:fld>
@@ -671,7 +671,7 @@
           <p:cNvPr id="5" name="바닥글 개체 틀 4">
             <a:extLst>
               <a:ext uri="{FF2B5EF4-FFF2-40B4-BE49-F238E27FC236}">
-                <a16:creationId xmlns:a16="http://schemas.microsoft.com/office/drawing/2014/main" id="{77131B13-0B94-A3E0-A8C0-DD3C14623BFB}"/>
+                <a16:creationId xmlns:a16="http://schemas.microsoft.com/office/drawing/2014/main" id="{027E81F0-E8B5-CCAC-5C8A-BEED425A0694}"/>
               </a:ext>
             </a:extLst>
           </p:cNvPr>
@@ -696,7 +696,7 @@
           <p:cNvPr id="6" name="슬라이드 번호 개체 틀 5">
             <a:extLst>
               <a:ext uri="{FF2B5EF4-FFF2-40B4-BE49-F238E27FC236}">
-                <a16:creationId xmlns:a16="http://schemas.microsoft.com/office/drawing/2014/main" id="{46C15C6A-AA05-A6D2-287E-6DD07BD49007}"/>
+                <a16:creationId xmlns:a16="http://schemas.microsoft.com/office/drawing/2014/main" id="{8AC5DD69-B064-50B8-E581-AD858BF2E824}"/>
               </a:ext>
             </a:extLst>
           </p:cNvPr>
@@ -712,7 +712,7 @@
           <a:bodyPr/>
           <a:lstStyle/>
           <a:p>
-            <a:fld id="{39F79EC4-ABCC-46A6-9EA0-9E76F468F52E}" type="slidenum">
+            <a:fld id="{E84C2610-C31D-42AD-8104-2E09BA5E5D0C}" type="slidenum">
               <a:rPr lang="ko-KR" altLang="en-US" smtClean="0"/>
               <a:t>‹#›</a:t>
             </a:fld>
@@ -723,7 +723,7 @@
     </p:spTree>
     <p:extLst>
       <p:ext uri="{BB962C8B-B14F-4D97-AF65-F5344CB8AC3E}">
-        <p14:creationId xmlns:p14="http://schemas.microsoft.com/office/powerpoint/2010/main" val="3213649817"/>
+        <p14:creationId xmlns:p14="http://schemas.microsoft.com/office/powerpoint/2010/main" val="2863368344"/>
       </p:ext>
     </p:extLst>
   </p:cSld>
@@ -755,7 +755,7 @@
           <p:cNvPr id="2" name="제목 1">
             <a:extLst>
               <a:ext uri="{FF2B5EF4-FFF2-40B4-BE49-F238E27FC236}">
-                <a16:creationId xmlns:a16="http://schemas.microsoft.com/office/drawing/2014/main" id="{DFA32165-3E3A-E38A-30F8-543BDCFF4EC6}"/>
+                <a16:creationId xmlns:a16="http://schemas.microsoft.com/office/drawing/2014/main" id="{908BDAE4-3488-1A1C-24C3-CABAF04E6BBE}"/>
               </a:ext>
             </a:extLst>
           </p:cNvPr>
@@ -783,7 +783,7 @@
           <p:cNvPr id="3" name="내용 개체 틀 2">
             <a:extLst>
               <a:ext uri="{FF2B5EF4-FFF2-40B4-BE49-F238E27FC236}">
-                <a16:creationId xmlns:a16="http://schemas.microsoft.com/office/drawing/2014/main" id="{E7DE0C9E-EA86-5B92-91BD-354C00C3F88C}"/>
+                <a16:creationId xmlns:a16="http://schemas.microsoft.com/office/drawing/2014/main" id="{2206B8C3-96DD-E1F2-C332-7BFF8F002F9A}"/>
               </a:ext>
             </a:extLst>
           </p:cNvPr>
@@ -840,7 +840,7 @@
           <p:cNvPr id="4" name="날짜 개체 틀 3">
             <a:extLst>
               <a:ext uri="{FF2B5EF4-FFF2-40B4-BE49-F238E27FC236}">
-                <a16:creationId xmlns:a16="http://schemas.microsoft.com/office/drawing/2014/main" id="{386A7E24-CCFE-D118-50B4-3868F56AE24F}"/>
+                <a16:creationId xmlns:a16="http://schemas.microsoft.com/office/drawing/2014/main" id="{74EFA6FB-FB71-80EC-6314-D5A8B3A7C33C}"/>
               </a:ext>
             </a:extLst>
           </p:cNvPr>
@@ -856,7 +856,7 @@
           <a:bodyPr/>
           <a:lstStyle/>
           <a:p>
-            <a:fld id="{30D96424-B58A-4D96-BE7D-482FDFFEE389}" type="datetimeFigureOut">
+            <a:fld id="{A5CD70EC-99E2-47C1-99DA-32B4486BB841}" type="datetimeFigureOut">
               <a:rPr lang="ko-KR" altLang="en-US" smtClean="0"/>
               <a:t>2023-04-15</a:t>
             </a:fld>
@@ -869,7 +869,7 @@
           <p:cNvPr id="5" name="바닥글 개체 틀 4">
             <a:extLst>
               <a:ext uri="{FF2B5EF4-FFF2-40B4-BE49-F238E27FC236}">
-                <a16:creationId xmlns:a16="http://schemas.microsoft.com/office/drawing/2014/main" id="{38AA9E03-9307-81CA-AFFD-BA315C386155}"/>
+                <a16:creationId xmlns:a16="http://schemas.microsoft.com/office/drawing/2014/main" id="{DE4FE352-021D-5A63-806C-B6889A75CC57}"/>
               </a:ext>
             </a:extLst>
           </p:cNvPr>
@@ -894,7 +894,7 @@
           <p:cNvPr id="6" name="슬라이드 번호 개체 틀 5">
             <a:extLst>
               <a:ext uri="{FF2B5EF4-FFF2-40B4-BE49-F238E27FC236}">
-                <a16:creationId xmlns:a16="http://schemas.microsoft.com/office/drawing/2014/main" id="{8D54F2D1-BAF0-D351-9DF4-863FBB7FCB00}"/>
+                <a16:creationId xmlns:a16="http://schemas.microsoft.com/office/drawing/2014/main" id="{DC71A50F-DC6B-DCE7-539B-0BD86E2D3A41}"/>
               </a:ext>
             </a:extLst>
           </p:cNvPr>
@@ -910,7 +910,7 @@
           <a:bodyPr/>
           <a:lstStyle/>
           <a:p>
-            <a:fld id="{39F79EC4-ABCC-46A6-9EA0-9E76F468F52E}" type="slidenum">
+            <a:fld id="{E84C2610-C31D-42AD-8104-2E09BA5E5D0C}" type="slidenum">
               <a:rPr lang="ko-KR" altLang="en-US" smtClean="0"/>
               <a:t>‹#›</a:t>
             </a:fld>
@@ -921,7 +921,7 @@
     </p:spTree>
     <p:extLst>
       <p:ext uri="{BB962C8B-B14F-4D97-AF65-F5344CB8AC3E}">
-        <p14:creationId xmlns:p14="http://schemas.microsoft.com/office/powerpoint/2010/main" val="2149146496"/>
+        <p14:creationId xmlns:p14="http://schemas.microsoft.com/office/powerpoint/2010/main" val="2962656458"/>
       </p:ext>
     </p:extLst>
   </p:cSld>
@@ -953,7 +953,7 @@
           <p:cNvPr id="2" name="제목 1">
             <a:extLst>
               <a:ext uri="{FF2B5EF4-FFF2-40B4-BE49-F238E27FC236}">
-                <a16:creationId xmlns:a16="http://schemas.microsoft.com/office/drawing/2014/main" id="{A353F8E1-08D1-5B41-156E-4B4E9EE0CF3F}"/>
+                <a16:creationId xmlns:a16="http://schemas.microsoft.com/office/drawing/2014/main" id="{FDA3F880-4100-A6B4-B74A-4CD342298483}"/>
               </a:ext>
             </a:extLst>
           </p:cNvPr>
@@ -990,7 +990,7 @@
           <p:cNvPr id="3" name="텍스트 개체 틀 2">
             <a:extLst>
               <a:ext uri="{FF2B5EF4-FFF2-40B4-BE49-F238E27FC236}">
-                <a16:creationId xmlns:a16="http://schemas.microsoft.com/office/drawing/2014/main" id="{54C2E4A6-B32F-0D4E-F43A-19357C4D0FA0}"/>
+                <a16:creationId xmlns:a16="http://schemas.microsoft.com/office/drawing/2014/main" id="{B6E8E2B3-149A-6069-EC51-EC831EDE5A65}"/>
               </a:ext>
             </a:extLst>
           </p:cNvPr>
@@ -1115,7 +1115,7 @@
           <p:cNvPr id="4" name="날짜 개체 틀 3">
             <a:extLst>
               <a:ext uri="{FF2B5EF4-FFF2-40B4-BE49-F238E27FC236}">
-                <a16:creationId xmlns:a16="http://schemas.microsoft.com/office/drawing/2014/main" id="{795FE732-FEC8-7C9F-C1DD-A9084EAFFA95}"/>
+                <a16:creationId xmlns:a16="http://schemas.microsoft.com/office/drawing/2014/main" id="{B63E8BE9-0EC9-DE63-355B-A91B5B2D975B}"/>
               </a:ext>
             </a:extLst>
           </p:cNvPr>
@@ -1131,7 +1131,7 @@
           <a:bodyPr/>
           <a:lstStyle/>
           <a:p>
-            <a:fld id="{30D96424-B58A-4D96-BE7D-482FDFFEE389}" type="datetimeFigureOut">
+            <a:fld id="{A5CD70EC-99E2-47C1-99DA-32B4486BB841}" type="datetimeFigureOut">
               <a:rPr lang="ko-KR" altLang="en-US" smtClean="0"/>
               <a:t>2023-04-15</a:t>
             </a:fld>
@@ -1144,7 +1144,7 @@
           <p:cNvPr id="5" name="바닥글 개체 틀 4">
             <a:extLst>
               <a:ext uri="{FF2B5EF4-FFF2-40B4-BE49-F238E27FC236}">
-                <a16:creationId xmlns:a16="http://schemas.microsoft.com/office/drawing/2014/main" id="{B4029E05-87E6-92A2-2A0D-C94751E4B858}"/>
+                <a16:creationId xmlns:a16="http://schemas.microsoft.com/office/drawing/2014/main" id="{A26C8E73-5728-DCB7-19E0-0D268EE53D7C}"/>
               </a:ext>
             </a:extLst>
           </p:cNvPr>
@@ -1169,7 +1169,7 @@
           <p:cNvPr id="6" name="슬라이드 번호 개체 틀 5">
             <a:extLst>
               <a:ext uri="{FF2B5EF4-FFF2-40B4-BE49-F238E27FC236}">
-                <a16:creationId xmlns:a16="http://schemas.microsoft.com/office/drawing/2014/main" id="{82CAC538-6000-53CA-5CAE-2214CB9C49BC}"/>
+                <a16:creationId xmlns:a16="http://schemas.microsoft.com/office/drawing/2014/main" id="{D4AEF04B-B23B-2C33-BBB9-D28B6B11D30B}"/>
               </a:ext>
             </a:extLst>
           </p:cNvPr>
@@ -1185,7 +1185,7 @@
           <a:bodyPr/>
           <a:lstStyle/>
           <a:p>
-            <a:fld id="{39F79EC4-ABCC-46A6-9EA0-9E76F468F52E}" type="slidenum">
+            <a:fld id="{E84C2610-C31D-42AD-8104-2E09BA5E5D0C}" type="slidenum">
               <a:rPr lang="ko-KR" altLang="en-US" smtClean="0"/>
               <a:t>‹#›</a:t>
             </a:fld>
@@ -1196,7 +1196,7 @@
     </p:spTree>
     <p:extLst>
       <p:ext uri="{BB962C8B-B14F-4D97-AF65-F5344CB8AC3E}">
-        <p14:creationId xmlns:p14="http://schemas.microsoft.com/office/powerpoint/2010/main" val="1065761870"/>
+        <p14:creationId xmlns:p14="http://schemas.microsoft.com/office/powerpoint/2010/main" val="3451603196"/>
       </p:ext>
     </p:extLst>
   </p:cSld>
@@ -1228,7 +1228,7 @@
           <p:cNvPr id="2" name="제목 1">
             <a:extLst>
               <a:ext uri="{FF2B5EF4-FFF2-40B4-BE49-F238E27FC236}">
-                <a16:creationId xmlns:a16="http://schemas.microsoft.com/office/drawing/2014/main" id="{8ECC0E67-2290-1099-481B-1B84E2A12BAA}"/>
+                <a16:creationId xmlns:a16="http://schemas.microsoft.com/office/drawing/2014/main" id="{C1B81E09-B4D9-88DE-6ADE-526551C1035E}"/>
               </a:ext>
             </a:extLst>
           </p:cNvPr>
@@ -1256,7 +1256,7 @@
           <p:cNvPr id="3" name="내용 개체 틀 2">
             <a:extLst>
               <a:ext uri="{FF2B5EF4-FFF2-40B4-BE49-F238E27FC236}">
-                <a16:creationId xmlns:a16="http://schemas.microsoft.com/office/drawing/2014/main" id="{449FFAAF-974D-1706-D4C2-D2CE01F78AAB}"/>
+                <a16:creationId xmlns:a16="http://schemas.microsoft.com/office/drawing/2014/main" id="{C5B21A95-9916-D2CA-1F21-BA24F39A30EF}"/>
               </a:ext>
             </a:extLst>
           </p:cNvPr>
@@ -1318,7 +1318,7 @@
           <p:cNvPr id="4" name="내용 개체 틀 3">
             <a:extLst>
               <a:ext uri="{FF2B5EF4-FFF2-40B4-BE49-F238E27FC236}">
-                <a16:creationId xmlns:a16="http://schemas.microsoft.com/office/drawing/2014/main" id="{CFD3A057-36E1-4537-C732-4E9BD5775016}"/>
+                <a16:creationId xmlns:a16="http://schemas.microsoft.com/office/drawing/2014/main" id="{A18E5134-E94C-CD9D-9F38-F06487B7EFDE}"/>
               </a:ext>
             </a:extLst>
           </p:cNvPr>
@@ -1380,7 +1380,7 @@
           <p:cNvPr id="5" name="날짜 개체 틀 4">
             <a:extLst>
               <a:ext uri="{FF2B5EF4-FFF2-40B4-BE49-F238E27FC236}">
-                <a16:creationId xmlns:a16="http://schemas.microsoft.com/office/drawing/2014/main" id="{4461B340-58E6-9958-AD55-2F42A8309E0B}"/>
+                <a16:creationId xmlns:a16="http://schemas.microsoft.com/office/drawing/2014/main" id="{CC701161-DBCE-F118-2C89-5BC1B346E93E}"/>
               </a:ext>
             </a:extLst>
           </p:cNvPr>
@@ -1396,7 +1396,7 @@
           <a:bodyPr/>
           <a:lstStyle/>
           <a:p>
-            <a:fld id="{30D96424-B58A-4D96-BE7D-482FDFFEE389}" type="datetimeFigureOut">
+            <a:fld id="{A5CD70EC-99E2-47C1-99DA-32B4486BB841}" type="datetimeFigureOut">
               <a:rPr lang="ko-KR" altLang="en-US" smtClean="0"/>
               <a:t>2023-04-15</a:t>
             </a:fld>
@@ -1409,7 +1409,7 @@
           <p:cNvPr id="6" name="바닥글 개체 틀 5">
             <a:extLst>
               <a:ext uri="{FF2B5EF4-FFF2-40B4-BE49-F238E27FC236}">
-                <a16:creationId xmlns:a16="http://schemas.microsoft.com/office/drawing/2014/main" id="{4AD63057-B659-4EB5-46AF-08DB0BA1204D}"/>
+                <a16:creationId xmlns:a16="http://schemas.microsoft.com/office/drawing/2014/main" id="{51A1FBD2-2209-8BD0-9473-553A1CC8B4C1}"/>
               </a:ext>
             </a:extLst>
           </p:cNvPr>
@@ -1434,7 +1434,7 @@
           <p:cNvPr id="7" name="슬라이드 번호 개체 틀 6">
             <a:extLst>
               <a:ext uri="{FF2B5EF4-FFF2-40B4-BE49-F238E27FC236}">
-                <a16:creationId xmlns:a16="http://schemas.microsoft.com/office/drawing/2014/main" id="{B09FA700-FF5F-92AD-CDDD-D766114F9044}"/>
+                <a16:creationId xmlns:a16="http://schemas.microsoft.com/office/drawing/2014/main" id="{7A19D6E8-3E81-E456-2E0F-2F595C13CEEC}"/>
               </a:ext>
             </a:extLst>
           </p:cNvPr>
@@ -1450,7 +1450,7 @@
           <a:bodyPr/>
           <a:lstStyle/>
           <a:p>
-            <a:fld id="{39F79EC4-ABCC-46A6-9EA0-9E76F468F52E}" type="slidenum">
+            <a:fld id="{E84C2610-C31D-42AD-8104-2E09BA5E5D0C}" type="slidenum">
               <a:rPr lang="ko-KR" altLang="en-US" smtClean="0"/>
               <a:t>‹#›</a:t>
             </a:fld>
@@ -1461,7 +1461,7 @@
     </p:spTree>
     <p:extLst>
       <p:ext uri="{BB962C8B-B14F-4D97-AF65-F5344CB8AC3E}">
-        <p14:creationId xmlns:p14="http://schemas.microsoft.com/office/powerpoint/2010/main" val="3025279821"/>
+        <p14:creationId xmlns:p14="http://schemas.microsoft.com/office/powerpoint/2010/main" val="4099371575"/>
       </p:ext>
     </p:extLst>
   </p:cSld>
@@ -1493,7 +1493,7 @@
           <p:cNvPr id="2" name="제목 1">
             <a:extLst>
               <a:ext uri="{FF2B5EF4-FFF2-40B4-BE49-F238E27FC236}">
-                <a16:creationId xmlns:a16="http://schemas.microsoft.com/office/drawing/2014/main" id="{D2B5E426-BFE3-5946-9B50-9C92A9BE8740}"/>
+                <a16:creationId xmlns:a16="http://schemas.microsoft.com/office/drawing/2014/main" id="{9A388BB4-FF76-1CE5-E605-ED5FA0203267}"/>
               </a:ext>
             </a:extLst>
           </p:cNvPr>
@@ -1526,7 +1526,7 @@
           <p:cNvPr id="3" name="텍스트 개체 틀 2">
             <a:extLst>
               <a:ext uri="{FF2B5EF4-FFF2-40B4-BE49-F238E27FC236}">
-                <a16:creationId xmlns:a16="http://schemas.microsoft.com/office/drawing/2014/main" id="{D152F77F-4014-CF7D-3A3E-9DCBCE4FC7B9}"/>
+                <a16:creationId xmlns:a16="http://schemas.microsoft.com/office/drawing/2014/main" id="{1429920B-7E16-6701-644B-EC4627D065EF}"/>
               </a:ext>
             </a:extLst>
           </p:cNvPr>
@@ -1597,7 +1597,7 @@
           <p:cNvPr id="4" name="내용 개체 틀 3">
             <a:extLst>
               <a:ext uri="{FF2B5EF4-FFF2-40B4-BE49-F238E27FC236}">
-                <a16:creationId xmlns:a16="http://schemas.microsoft.com/office/drawing/2014/main" id="{C916A93E-F3DB-0D88-52D4-41A14FB932AE}"/>
+                <a16:creationId xmlns:a16="http://schemas.microsoft.com/office/drawing/2014/main" id="{90F7D9AF-4A6B-E688-F77B-5274E50B99FC}"/>
               </a:ext>
             </a:extLst>
           </p:cNvPr>
@@ -1659,7 +1659,7 @@
           <p:cNvPr id="5" name="텍스트 개체 틀 4">
             <a:extLst>
               <a:ext uri="{FF2B5EF4-FFF2-40B4-BE49-F238E27FC236}">
-                <a16:creationId xmlns:a16="http://schemas.microsoft.com/office/drawing/2014/main" id="{833F1C28-84D5-7BD8-B3B6-13236D11681B}"/>
+                <a16:creationId xmlns:a16="http://schemas.microsoft.com/office/drawing/2014/main" id="{8E77E295-8AF0-FBAD-18F8-463AB0840288}"/>
               </a:ext>
             </a:extLst>
           </p:cNvPr>
@@ -1730,7 +1730,7 @@
           <p:cNvPr id="6" name="내용 개체 틀 5">
             <a:extLst>
               <a:ext uri="{FF2B5EF4-FFF2-40B4-BE49-F238E27FC236}">
-                <a16:creationId xmlns:a16="http://schemas.microsoft.com/office/drawing/2014/main" id="{C1C0D305-E7A5-1FB4-9F69-125C1F26E29F}"/>
+                <a16:creationId xmlns:a16="http://schemas.microsoft.com/office/drawing/2014/main" id="{8B83A7B8-2B62-716F-1C5B-900D5A9B5273}"/>
               </a:ext>
             </a:extLst>
           </p:cNvPr>
@@ -1792,7 +1792,7 @@
           <p:cNvPr id="7" name="날짜 개체 틀 6">
             <a:extLst>
               <a:ext uri="{FF2B5EF4-FFF2-40B4-BE49-F238E27FC236}">
-                <a16:creationId xmlns:a16="http://schemas.microsoft.com/office/drawing/2014/main" id="{8DB42DBB-6DD9-C993-15CC-2A822CE51C12}"/>
+                <a16:creationId xmlns:a16="http://schemas.microsoft.com/office/drawing/2014/main" id="{2C7D9817-BD02-020D-D45B-66DFA428781A}"/>
               </a:ext>
             </a:extLst>
           </p:cNvPr>
@@ -1808,7 +1808,7 @@
           <a:bodyPr/>
           <a:lstStyle/>
           <a:p>
-            <a:fld id="{30D96424-B58A-4D96-BE7D-482FDFFEE389}" type="datetimeFigureOut">
+            <a:fld id="{A5CD70EC-99E2-47C1-99DA-32B4486BB841}" type="datetimeFigureOut">
               <a:rPr lang="ko-KR" altLang="en-US" smtClean="0"/>
               <a:t>2023-04-15</a:t>
             </a:fld>
@@ -1821,7 +1821,7 @@
           <p:cNvPr id="8" name="바닥글 개체 틀 7">
             <a:extLst>
               <a:ext uri="{FF2B5EF4-FFF2-40B4-BE49-F238E27FC236}">
-                <a16:creationId xmlns:a16="http://schemas.microsoft.com/office/drawing/2014/main" id="{6B5306D4-D4B1-AF0C-3E8B-C6705F78E4E2}"/>
+                <a16:creationId xmlns:a16="http://schemas.microsoft.com/office/drawing/2014/main" id="{3C8DE98E-CE42-B392-A743-FA3C77147854}"/>
               </a:ext>
             </a:extLst>
           </p:cNvPr>
@@ -1846,7 +1846,7 @@
           <p:cNvPr id="9" name="슬라이드 번호 개체 틀 8">
             <a:extLst>
               <a:ext uri="{FF2B5EF4-FFF2-40B4-BE49-F238E27FC236}">
-                <a16:creationId xmlns:a16="http://schemas.microsoft.com/office/drawing/2014/main" id="{8075C418-ACBE-3BCF-E5A1-79122B794EFC}"/>
+                <a16:creationId xmlns:a16="http://schemas.microsoft.com/office/drawing/2014/main" id="{478F3BF5-E8FF-EB50-16B2-D220C72AFEB1}"/>
               </a:ext>
             </a:extLst>
           </p:cNvPr>
@@ -1862,7 +1862,7 @@
           <a:bodyPr/>
           <a:lstStyle/>
           <a:p>
-            <a:fld id="{39F79EC4-ABCC-46A6-9EA0-9E76F468F52E}" type="slidenum">
+            <a:fld id="{E84C2610-C31D-42AD-8104-2E09BA5E5D0C}" type="slidenum">
               <a:rPr lang="ko-KR" altLang="en-US" smtClean="0"/>
               <a:t>‹#›</a:t>
             </a:fld>
@@ -1873,7 +1873,7 @@
     </p:spTree>
     <p:extLst>
       <p:ext uri="{BB962C8B-B14F-4D97-AF65-F5344CB8AC3E}">
-        <p14:creationId xmlns:p14="http://schemas.microsoft.com/office/powerpoint/2010/main" val="4072321422"/>
+        <p14:creationId xmlns:p14="http://schemas.microsoft.com/office/powerpoint/2010/main" val="3605381506"/>
       </p:ext>
     </p:extLst>
   </p:cSld>
@@ -1905,7 +1905,7 @@
           <p:cNvPr id="2" name="제목 1">
             <a:extLst>
               <a:ext uri="{FF2B5EF4-FFF2-40B4-BE49-F238E27FC236}">
-                <a16:creationId xmlns:a16="http://schemas.microsoft.com/office/drawing/2014/main" id="{9445CB94-A4F7-8B63-0AE7-19D8C6148663}"/>
+                <a16:creationId xmlns:a16="http://schemas.microsoft.com/office/drawing/2014/main" id="{245828EB-E228-6CCE-48AD-1186F2D0A72C}"/>
               </a:ext>
             </a:extLst>
           </p:cNvPr>
@@ -1933,7 +1933,7 @@
           <p:cNvPr id="3" name="날짜 개체 틀 2">
             <a:extLst>
               <a:ext uri="{FF2B5EF4-FFF2-40B4-BE49-F238E27FC236}">
-                <a16:creationId xmlns:a16="http://schemas.microsoft.com/office/drawing/2014/main" id="{9A1DA52E-AD9F-B46C-F752-34ECEFB78FB6}"/>
+                <a16:creationId xmlns:a16="http://schemas.microsoft.com/office/drawing/2014/main" id="{39038531-8BD8-40AC-8E72-49557650B4DB}"/>
               </a:ext>
             </a:extLst>
           </p:cNvPr>
@@ -1949,7 +1949,7 @@
           <a:bodyPr/>
           <a:lstStyle/>
           <a:p>
-            <a:fld id="{30D96424-B58A-4D96-BE7D-482FDFFEE389}" type="datetimeFigureOut">
+            <a:fld id="{A5CD70EC-99E2-47C1-99DA-32B4486BB841}" type="datetimeFigureOut">
               <a:rPr lang="ko-KR" altLang="en-US" smtClean="0"/>
               <a:t>2023-04-15</a:t>
             </a:fld>
@@ -1962,7 +1962,7 @@
           <p:cNvPr id="4" name="바닥글 개체 틀 3">
             <a:extLst>
               <a:ext uri="{FF2B5EF4-FFF2-40B4-BE49-F238E27FC236}">
-                <a16:creationId xmlns:a16="http://schemas.microsoft.com/office/drawing/2014/main" id="{8C316D3A-1BB1-6F8F-BD4F-6AE851FE6580}"/>
+                <a16:creationId xmlns:a16="http://schemas.microsoft.com/office/drawing/2014/main" id="{E1FADB8C-E0A4-30B6-CA4E-5184368F37FE}"/>
               </a:ext>
             </a:extLst>
           </p:cNvPr>
@@ -1987,7 +1987,7 @@
           <p:cNvPr id="5" name="슬라이드 번호 개체 틀 4">
             <a:extLst>
               <a:ext uri="{FF2B5EF4-FFF2-40B4-BE49-F238E27FC236}">
-                <a16:creationId xmlns:a16="http://schemas.microsoft.com/office/drawing/2014/main" id="{7227F824-0B20-822F-0D77-E99D31B34C1E}"/>
+                <a16:creationId xmlns:a16="http://schemas.microsoft.com/office/drawing/2014/main" id="{76FDC7FF-D33F-6100-B5EE-2217032AC9E6}"/>
               </a:ext>
             </a:extLst>
           </p:cNvPr>
@@ -2003,7 +2003,7 @@
           <a:bodyPr/>
           <a:lstStyle/>
           <a:p>
-            <a:fld id="{39F79EC4-ABCC-46A6-9EA0-9E76F468F52E}" type="slidenum">
+            <a:fld id="{E84C2610-C31D-42AD-8104-2E09BA5E5D0C}" type="slidenum">
               <a:rPr lang="ko-KR" altLang="en-US" smtClean="0"/>
               <a:t>‹#›</a:t>
             </a:fld>
@@ -2014,7 +2014,7 @@
     </p:spTree>
     <p:extLst>
       <p:ext uri="{BB962C8B-B14F-4D97-AF65-F5344CB8AC3E}">
-        <p14:creationId xmlns:p14="http://schemas.microsoft.com/office/powerpoint/2010/main" val="1415528523"/>
+        <p14:creationId xmlns:p14="http://schemas.microsoft.com/office/powerpoint/2010/main" val="2927563926"/>
       </p:ext>
     </p:extLst>
   </p:cSld>
@@ -2046,7 +2046,7 @@
           <p:cNvPr id="2" name="날짜 개체 틀 1">
             <a:extLst>
               <a:ext uri="{FF2B5EF4-FFF2-40B4-BE49-F238E27FC236}">
-                <a16:creationId xmlns:a16="http://schemas.microsoft.com/office/drawing/2014/main" id="{A5EB4C74-0F17-F512-7CF1-C490D6897E40}"/>
+                <a16:creationId xmlns:a16="http://schemas.microsoft.com/office/drawing/2014/main" id="{17548C3A-65EB-2AE6-AB29-47A0F148993D}"/>
               </a:ext>
             </a:extLst>
           </p:cNvPr>
@@ -2062,7 +2062,7 @@
           <a:bodyPr/>
           <a:lstStyle/>
           <a:p>
-            <a:fld id="{30D96424-B58A-4D96-BE7D-482FDFFEE389}" type="datetimeFigureOut">
+            <a:fld id="{A5CD70EC-99E2-47C1-99DA-32B4486BB841}" type="datetimeFigureOut">
               <a:rPr lang="ko-KR" altLang="en-US" smtClean="0"/>
               <a:t>2023-04-15</a:t>
             </a:fld>
@@ -2075,7 +2075,7 @@
           <p:cNvPr id="3" name="바닥글 개체 틀 2">
             <a:extLst>
               <a:ext uri="{FF2B5EF4-FFF2-40B4-BE49-F238E27FC236}">
-                <a16:creationId xmlns:a16="http://schemas.microsoft.com/office/drawing/2014/main" id="{2B3CD979-B13A-B3EF-888E-33F01E4905A1}"/>
+                <a16:creationId xmlns:a16="http://schemas.microsoft.com/office/drawing/2014/main" id="{6B378768-D31C-709D-F4CB-CA51CDE7C503}"/>
               </a:ext>
             </a:extLst>
           </p:cNvPr>
@@ -2100,7 +2100,7 @@
           <p:cNvPr id="4" name="슬라이드 번호 개체 틀 3">
             <a:extLst>
               <a:ext uri="{FF2B5EF4-FFF2-40B4-BE49-F238E27FC236}">
-                <a16:creationId xmlns:a16="http://schemas.microsoft.com/office/drawing/2014/main" id="{457DCF8D-14BA-7584-7FCD-9188E9AB8F7D}"/>
+                <a16:creationId xmlns:a16="http://schemas.microsoft.com/office/drawing/2014/main" id="{8321B000-9C95-137C-F4C7-0CE294AE6D84}"/>
               </a:ext>
             </a:extLst>
           </p:cNvPr>
@@ -2116,7 +2116,7 @@
           <a:bodyPr/>
           <a:lstStyle/>
           <a:p>
-            <a:fld id="{39F79EC4-ABCC-46A6-9EA0-9E76F468F52E}" type="slidenum">
+            <a:fld id="{E84C2610-C31D-42AD-8104-2E09BA5E5D0C}" type="slidenum">
               <a:rPr lang="ko-KR" altLang="en-US" smtClean="0"/>
               <a:t>‹#›</a:t>
             </a:fld>
@@ -2127,7 +2127,7 @@
     </p:spTree>
     <p:extLst>
       <p:ext uri="{BB962C8B-B14F-4D97-AF65-F5344CB8AC3E}">
-        <p14:creationId xmlns:p14="http://schemas.microsoft.com/office/powerpoint/2010/main" val="3001127825"/>
+        <p14:creationId xmlns:p14="http://schemas.microsoft.com/office/powerpoint/2010/main" val="3578575651"/>
       </p:ext>
     </p:extLst>
   </p:cSld>
@@ -2159,7 +2159,7 @@
           <p:cNvPr id="2" name="제목 1">
             <a:extLst>
               <a:ext uri="{FF2B5EF4-FFF2-40B4-BE49-F238E27FC236}">
-                <a16:creationId xmlns:a16="http://schemas.microsoft.com/office/drawing/2014/main" id="{338BA04E-E160-F38D-AC41-D0774F0C7450}"/>
+                <a16:creationId xmlns:a16="http://schemas.microsoft.com/office/drawing/2014/main" id="{73D75EA9-860B-E3CB-83F1-6FE7F462C9D7}"/>
               </a:ext>
             </a:extLst>
           </p:cNvPr>
@@ -2196,7 +2196,7 @@
           <p:cNvPr id="3" name="내용 개체 틀 2">
             <a:extLst>
               <a:ext uri="{FF2B5EF4-FFF2-40B4-BE49-F238E27FC236}">
-                <a16:creationId xmlns:a16="http://schemas.microsoft.com/office/drawing/2014/main" id="{9690015D-96E9-33CB-AD88-973A4AFE8475}"/>
+                <a16:creationId xmlns:a16="http://schemas.microsoft.com/office/drawing/2014/main" id="{5640EC26-E5DD-6F11-E25E-E6F311186980}"/>
               </a:ext>
             </a:extLst>
           </p:cNvPr>
@@ -2286,7 +2286,7 @@
           <p:cNvPr id="4" name="텍스트 개체 틀 3">
             <a:extLst>
               <a:ext uri="{FF2B5EF4-FFF2-40B4-BE49-F238E27FC236}">
-                <a16:creationId xmlns:a16="http://schemas.microsoft.com/office/drawing/2014/main" id="{375D405F-C361-E6DE-C804-54524A0B1F74}"/>
+                <a16:creationId xmlns:a16="http://schemas.microsoft.com/office/drawing/2014/main" id="{DF3810A1-674E-FD62-132A-5D7EDC0944F4}"/>
               </a:ext>
             </a:extLst>
           </p:cNvPr>
@@ -2357,7 +2357,7 @@
           <p:cNvPr id="5" name="날짜 개체 틀 4">
             <a:extLst>
               <a:ext uri="{FF2B5EF4-FFF2-40B4-BE49-F238E27FC236}">
-                <a16:creationId xmlns:a16="http://schemas.microsoft.com/office/drawing/2014/main" id="{14F10032-BC52-BAC3-15A1-1D2DEAD4165A}"/>
+                <a16:creationId xmlns:a16="http://schemas.microsoft.com/office/drawing/2014/main" id="{2E87AD9D-2123-6D9E-D935-584E60AEDA47}"/>
               </a:ext>
             </a:extLst>
           </p:cNvPr>
@@ -2373,7 +2373,7 @@
           <a:bodyPr/>
           <a:lstStyle/>
           <a:p>
-            <a:fld id="{30D96424-B58A-4D96-BE7D-482FDFFEE389}" type="datetimeFigureOut">
+            <a:fld id="{A5CD70EC-99E2-47C1-99DA-32B4486BB841}" type="datetimeFigureOut">
               <a:rPr lang="ko-KR" altLang="en-US" smtClean="0"/>
               <a:t>2023-04-15</a:t>
             </a:fld>
@@ -2386,7 +2386,7 @@
           <p:cNvPr id="6" name="바닥글 개체 틀 5">
             <a:extLst>
               <a:ext uri="{FF2B5EF4-FFF2-40B4-BE49-F238E27FC236}">
-                <a16:creationId xmlns:a16="http://schemas.microsoft.com/office/drawing/2014/main" id="{24E0392D-0893-5CAB-D585-491237820B25}"/>
+                <a16:creationId xmlns:a16="http://schemas.microsoft.com/office/drawing/2014/main" id="{39C194AB-DE8D-9C2C-1F10-EDE628628349}"/>
               </a:ext>
             </a:extLst>
           </p:cNvPr>
@@ -2411,7 +2411,7 @@
           <p:cNvPr id="7" name="슬라이드 번호 개체 틀 6">
             <a:extLst>
               <a:ext uri="{FF2B5EF4-FFF2-40B4-BE49-F238E27FC236}">
-                <a16:creationId xmlns:a16="http://schemas.microsoft.com/office/drawing/2014/main" id="{59C6E9D1-3406-D88B-A710-27CA4A918411}"/>
+                <a16:creationId xmlns:a16="http://schemas.microsoft.com/office/drawing/2014/main" id="{A0A42C66-6E71-8D6F-8C7A-A99D77E8BD79}"/>
               </a:ext>
             </a:extLst>
           </p:cNvPr>
@@ -2427,7 +2427,7 @@
           <a:bodyPr/>
           <a:lstStyle/>
           <a:p>
-            <a:fld id="{39F79EC4-ABCC-46A6-9EA0-9E76F468F52E}" type="slidenum">
+            <a:fld id="{E84C2610-C31D-42AD-8104-2E09BA5E5D0C}" type="slidenum">
               <a:rPr lang="ko-KR" altLang="en-US" smtClean="0"/>
               <a:t>‹#›</a:t>
             </a:fld>
@@ -2438,7 +2438,7 @@
     </p:spTree>
     <p:extLst>
       <p:ext uri="{BB962C8B-B14F-4D97-AF65-F5344CB8AC3E}">
-        <p14:creationId xmlns:p14="http://schemas.microsoft.com/office/powerpoint/2010/main" val="3840927478"/>
+        <p14:creationId xmlns:p14="http://schemas.microsoft.com/office/powerpoint/2010/main" val="1102003100"/>
       </p:ext>
     </p:extLst>
   </p:cSld>
@@ -2470,7 +2470,7 @@
           <p:cNvPr id="2" name="제목 1">
             <a:extLst>
               <a:ext uri="{FF2B5EF4-FFF2-40B4-BE49-F238E27FC236}">
-                <a16:creationId xmlns:a16="http://schemas.microsoft.com/office/drawing/2014/main" id="{CCE3B3C0-0B3E-784B-0482-7128977B2133}"/>
+                <a16:creationId xmlns:a16="http://schemas.microsoft.com/office/drawing/2014/main" id="{353C6366-FA53-68E7-8DC7-632A939F5F11}"/>
               </a:ext>
             </a:extLst>
           </p:cNvPr>
@@ -2507,7 +2507,7 @@
           <p:cNvPr id="3" name="그림 개체 틀 2">
             <a:extLst>
               <a:ext uri="{FF2B5EF4-FFF2-40B4-BE49-F238E27FC236}">
-                <a16:creationId xmlns:a16="http://schemas.microsoft.com/office/drawing/2014/main" id="{84452E04-CE0C-1F70-8837-B05242635C68}"/>
+                <a16:creationId xmlns:a16="http://schemas.microsoft.com/office/drawing/2014/main" id="{D5F1444D-884C-7E3E-C446-7560EFAEAA60}"/>
               </a:ext>
             </a:extLst>
           </p:cNvPr>
@@ -2574,7 +2574,7 @@
           <p:cNvPr id="4" name="텍스트 개체 틀 3">
             <a:extLst>
               <a:ext uri="{FF2B5EF4-FFF2-40B4-BE49-F238E27FC236}">
-                <a16:creationId xmlns:a16="http://schemas.microsoft.com/office/drawing/2014/main" id="{4C08CC58-F9DE-7F58-83B8-F41D2894979E}"/>
+                <a16:creationId xmlns:a16="http://schemas.microsoft.com/office/drawing/2014/main" id="{7419D17B-EF9D-BAE8-A741-F636C4C091FE}"/>
               </a:ext>
             </a:extLst>
           </p:cNvPr>
@@ -2645,7 +2645,7 @@
           <p:cNvPr id="5" name="날짜 개체 틀 4">
             <a:extLst>
               <a:ext uri="{FF2B5EF4-FFF2-40B4-BE49-F238E27FC236}">
-                <a16:creationId xmlns:a16="http://schemas.microsoft.com/office/drawing/2014/main" id="{4BC4A9EC-B223-B557-6B97-862F09183EF5}"/>
+                <a16:creationId xmlns:a16="http://schemas.microsoft.com/office/drawing/2014/main" id="{90754B37-F705-0F95-A3DC-1EECEB63BDEB}"/>
               </a:ext>
             </a:extLst>
           </p:cNvPr>
@@ -2661,7 +2661,7 @@
           <a:bodyPr/>
           <a:lstStyle/>
           <a:p>
-            <a:fld id="{30D96424-B58A-4D96-BE7D-482FDFFEE389}" type="datetimeFigureOut">
+            <a:fld id="{A5CD70EC-99E2-47C1-99DA-32B4486BB841}" type="datetimeFigureOut">
               <a:rPr lang="ko-KR" altLang="en-US" smtClean="0"/>
               <a:t>2023-04-15</a:t>
             </a:fld>
@@ -2674,7 +2674,7 @@
           <p:cNvPr id="6" name="바닥글 개체 틀 5">
             <a:extLst>
               <a:ext uri="{FF2B5EF4-FFF2-40B4-BE49-F238E27FC236}">
-                <a16:creationId xmlns:a16="http://schemas.microsoft.com/office/drawing/2014/main" id="{5934932C-EE24-2F15-F4D5-343C080EF3BF}"/>
+                <a16:creationId xmlns:a16="http://schemas.microsoft.com/office/drawing/2014/main" id="{36AFFFDE-AAE5-6E5C-8F61-70B2E93BFECB}"/>
               </a:ext>
             </a:extLst>
           </p:cNvPr>
@@ -2699,7 +2699,7 @@
           <p:cNvPr id="7" name="슬라이드 번호 개체 틀 6">
             <a:extLst>
               <a:ext uri="{FF2B5EF4-FFF2-40B4-BE49-F238E27FC236}">
-                <a16:creationId xmlns:a16="http://schemas.microsoft.com/office/drawing/2014/main" id="{E6F78DFE-0984-F56B-272B-0BCABCCE21AE}"/>
+                <a16:creationId xmlns:a16="http://schemas.microsoft.com/office/drawing/2014/main" id="{AEDFB47A-91B8-805D-100F-630B4CC33BA7}"/>
               </a:ext>
             </a:extLst>
           </p:cNvPr>
@@ -2715,7 +2715,7 @@
           <a:bodyPr/>
           <a:lstStyle/>
           <a:p>
-            <a:fld id="{39F79EC4-ABCC-46A6-9EA0-9E76F468F52E}" type="slidenum">
+            <a:fld id="{E84C2610-C31D-42AD-8104-2E09BA5E5D0C}" type="slidenum">
               <a:rPr lang="ko-KR" altLang="en-US" smtClean="0"/>
               <a:t>‹#›</a:t>
             </a:fld>
@@ -2726,7 +2726,7 @@
     </p:spTree>
     <p:extLst>
       <p:ext uri="{BB962C8B-B14F-4D97-AF65-F5344CB8AC3E}">
-        <p14:creationId xmlns:p14="http://schemas.microsoft.com/office/powerpoint/2010/main" val="3731884436"/>
+        <p14:creationId xmlns:p14="http://schemas.microsoft.com/office/powerpoint/2010/main" val="22256347"/>
       </p:ext>
     </p:extLst>
   </p:cSld>
@@ -2763,7 +2763,7 @@
           <p:cNvPr id="2" name="제목 개체 틀 1">
             <a:extLst>
               <a:ext uri="{FF2B5EF4-FFF2-40B4-BE49-F238E27FC236}">
-                <a16:creationId xmlns:a16="http://schemas.microsoft.com/office/drawing/2014/main" id="{FFA29C85-03CC-63D4-EFCE-389ABDA70B05}"/>
+                <a16:creationId xmlns:a16="http://schemas.microsoft.com/office/drawing/2014/main" id="{7437373B-5375-754D-A1E4-196BCD4B7503}"/>
               </a:ext>
             </a:extLst>
           </p:cNvPr>
@@ -2801,7 +2801,7 @@
           <p:cNvPr id="3" name="텍스트 개체 틀 2">
             <a:extLst>
               <a:ext uri="{FF2B5EF4-FFF2-40B4-BE49-F238E27FC236}">
-                <a16:creationId xmlns:a16="http://schemas.microsoft.com/office/drawing/2014/main" id="{E01E8234-250D-6DD3-2CD1-935C67487FD0}"/>
+                <a16:creationId xmlns:a16="http://schemas.microsoft.com/office/drawing/2014/main" id="{E7CCC849-C229-E016-39F3-AF4655855E9D}"/>
               </a:ext>
             </a:extLst>
           </p:cNvPr>
@@ -2868,7 +2868,7 @@
           <p:cNvPr id="4" name="날짜 개체 틀 3">
             <a:extLst>
               <a:ext uri="{FF2B5EF4-FFF2-40B4-BE49-F238E27FC236}">
-                <a16:creationId xmlns:a16="http://schemas.microsoft.com/office/drawing/2014/main" id="{9BDAC81C-3BB7-2B11-47F1-49ABDC5B1E2C}"/>
+                <a16:creationId xmlns:a16="http://schemas.microsoft.com/office/drawing/2014/main" id="{63524693-0803-A076-6D89-20284E5C3997}"/>
               </a:ext>
             </a:extLst>
           </p:cNvPr>
@@ -2902,7 +2902,7 @@
             </a:lvl1pPr>
           </a:lstStyle>
           <a:p>
-            <a:fld id="{30D96424-B58A-4D96-BE7D-482FDFFEE389}" type="datetimeFigureOut">
+            <a:fld id="{A5CD70EC-99E2-47C1-99DA-32B4486BB841}" type="datetimeFigureOut">
               <a:rPr lang="ko-KR" altLang="en-US" smtClean="0"/>
               <a:t>2023-04-15</a:t>
             </a:fld>
@@ -2915,7 +2915,7 @@
           <p:cNvPr id="5" name="바닥글 개체 틀 4">
             <a:extLst>
               <a:ext uri="{FF2B5EF4-FFF2-40B4-BE49-F238E27FC236}">
-                <a16:creationId xmlns:a16="http://schemas.microsoft.com/office/drawing/2014/main" id="{F251F572-073E-A344-26EC-6E25419FCC4D}"/>
+                <a16:creationId xmlns:a16="http://schemas.microsoft.com/office/drawing/2014/main" id="{A2E84F83-3BF2-1958-BEE0-AF1DB049E5E3}"/>
               </a:ext>
             </a:extLst>
           </p:cNvPr>
@@ -2958,7 +2958,7 @@
           <p:cNvPr id="6" name="슬라이드 번호 개체 틀 5">
             <a:extLst>
               <a:ext uri="{FF2B5EF4-FFF2-40B4-BE49-F238E27FC236}">
-                <a16:creationId xmlns:a16="http://schemas.microsoft.com/office/drawing/2014/main" id="{DED948F2-7C78-C123-C259-DE40553E627F}"/>
+                <a16:creationId xmlns:a16="http://schemas.microsoft.com/office/drawing/2014/main" id="{A123AB2E-EECB-5D74-C80A-02EF04117ACB}"/>
               </a:ext>
             </a:extLst>
           </p:cNvPr>
@@ -2992,7 +2992,7 @@
             </a:lvl1pPr>
           </a:lstStyle>
           <a:p>
-            <a:fld id="{39F79EC4-ABCC-46A6-9EA0-9E76F468F52E}" type="slidenum">
+            <a:fld id="{E84C2610-C31D-42AD-8104-2E09BA5E5D0C}" type="slidenum">
               <a:rPr lang="ko-KR" altLang="en-US" smtClean="0"/>
               <a:t>‹#›</a:t>
             </a:fld>
@@ -3003,7 +3003,7 @@
     </p:spTree>
     <p:extLst>
       <p:ext uri="{BB962C8B-B14F-4D97-AF65-F5344CB8AC3E}">
-        <p14:creationId xmlns:p14="http://schemas.microsoft.com/office/powerpoint/2010/main" val="1902612966"/>
+        <p14:creationId xmlns:p14="http://schemas.microsoft.com/office/powerpoint/2010/main" val="3691195212"/>
       </p:ext>
     </p:extLst>
   </p:cSld>
@@ -3326,7 +3326,7 @@
           <p:cNvPr id="2" name="직사각형 1">
             <a:extLst>
               <a:ext uri="{FF2B5EF4-FFF2-40B4-BE49-F238E27FC236}">
-                <a16:creationId xmlns:a16="http://schemas.microsoft.com/office/drawing/2014/main" id="{C3E416D4-165A-517E-13C0-F4592C1B7F04}"/>
+                <a16:creationId xmlns:a16="http://schemas.microsoft.com/office/drawing/2014/main" id="{906DEBD3-07CF-AF41-2486-43DB9AB12E92}"/>
               </a:ext>
             </a:extLst>
           </p:cNvPr>
@@ -3342,7 +3342,7 @@
             <a:avLst/>
           </a:prstGeom>
           <a:solidFill>
-            <a:srgbClr val="FFFFFF"/>
+            <a:srgbClr val="000000"/>
           </a:solidFill>
           <a:ln w="12700" cap="flat" cmpd="sng" algn="ctr">
             <a:noFill/>
@@ -3385,7 +3385,7 @@
           <p:cNvPr id="3" name="직선 연결선 2">
             <a:extLst>
               <a:ext uri="{FF2B5EF4-FFF2-40B4-BE49-F238E27FC236}">
-                <a16:creationId xmlns:a16="http://schemas.microsoft.com/office/drawing/2014/main" id="{A57BE78B-3C6D-CECD-E89F-9098108B0C6E}"/>
+                <a16:creationId xmlns:a16="http://schemas.microsoft.com/office/drawing/2014/main" id="{DFA4F560-A2EC-36A8-D883-F646AB3BB9FA}"/>
               </a:ext>
             </a:extLst>
           </p:cNvPr>
@@ -3426,7 +3426,7 @@
           <p:cNvPr id="4" name="직사각형 3">
             <a:extLst>
               <a:ext uri="{FF2B5EF4-FFF2-40B4-BE49-F238E27FC236}">
-                <a16:creationId xmlns:a16="http://schemas.microsoft.com/office/drawing/2014/main" id="{CE0B5AA3-D678-5996-6E56-FDF4A7206926}"/>
+                <a16:creationId xmlns:a16="http://schemas.microsoft.com/office/drawing/2014/main" id="{176DF865-4BA3-AAF8-AC7D-C9DAE3640137}"/>
               </a:ext>
             </a:extLst>
           </p:cNvPr>
@@ -3442,7 +3442,7 @@
             <a:avLst/>
           </a:prstGeom>
           <a:solidFill>
-            <a:srgbClr val="FFFFFF"/>
+            <a:srgbClr val="000000"/>
           </a:solidFill>
           <a:ln w="12700" cap="flat" cmpd="sng" algn="ctr">
             <a:noFill/>
@@ -3485,7 +3485,7 @@
           <p:cNvPr id="5" name="직선 연결선 4">
             <a:extLst>
               <a:ext uri="{FF2B5EF4-FFF2-40B4-BE49-F238E27FC236}">
-                <a16:creationId xmlns:a16="http://schemas.microsoft.com/office/drawing/2014/main" id="{450BABE9-8727-9DAB-CC89-B196C9A08B8C}"/>
+                <a16:creationId xmlns:a16="http://schemas.microsoft.com/office/drawing/2014/main" id="{B9CAA375-EFF7-382D-2FCA-3D79E010B72B}"/>
               </a:ext>
             </a:extLst>
           </p:cNvPr>
@@ -3526,7 +3526,7 @@
           <p:cNvPr id="6" name="직사각형 5">
             <a:extLst>
               <a:ext uri="{FF2B5EF4-FFF2-40B4-BE49-F238E27FC236}">
-                <a16:creationId xmlns:a16="http://schemas.microsoft.com/office/drawing/2014/main" id="{15D3BE48-E6BC-5E96-660E-CCC576843EF7}"/>
+                <a16:creationId xmlns:a16="http://schemas.microsoft.com/office/drawing/2014/main" id="{6CA0782D-7983-EBFB-15B0-DC6F01EA2086}"/>
               </a:ext>
             </a:extLst>
           </p:cNvPr>
@@ -3542,7 +3542,7 @@
             <a:avLst/>
           </a:prstGeom>
           <a:solidFill>
-            <a:srgbClr val="FFFFFF"/>
+            <a:srgbClr val="000000"/>
           </a:solidFill>
           <a:ln w="12700" cap="flat" cmpd="sng" algn="ctr">
             <a:noFill/>
@@ -3585,7 +3585,7 @@
           <p:cNvPr id="7" name="직선 연결선 6">
             <a:extLst>
               <a:ext uri="{FF2B5EF4-FFF2-40B4-BE49-F238E27FC236}">
-                <a16:creationId xmlns:a16="http://schemas.microsoft.com/office/drawing/2014/main" id="{5D80F25C-5CE9-CD89-6178-0AC1179B30DC}"/>
+                <a16:creationId xmlns:a16="http://schemas.microsoft.com/office/drawing/2014/main" id="{7C9860B0-66F4-C3B3-30AA-A72A41C08279}"/>
               </a:ext>
             </a:extLst>
           </p:cNvPr>
@@ -3626,7 +3626,7 @@
           <p:cNvPr id="8" name="직사각형 7">
             <a:extLst>
               <a:ext uri="{FF2B5EF4-FFF2-40B4-BE49-F238E27FC236}">
-                <a16:creationId xmlns:a16="http://schemas.microsoft.com/office/drawing/2014/main" id="{0CCE0164-B5CC-58A6-694C-914370FB9E0D}"/>
+                <a16:creationId xmlns:a16="http://schemas.microsoft.com/office/drawing/2014/main" id="{4A7DB580-940F-0BCD-A235-D92E4ABACC3E}"/>
               </a:ext>
             </a:extLst>
           </p:cNvPr>
@@ -3642,7 +3642,7 @@
             <a:avLst/>
           </a:prstGeom>
           <a:solidFill>
-            <a:srgbClr val="FFFFFF"/>
+            <a:srgbClr val="000000"/>
           </a:solidFill>
           <a:ln w="12700" cap="flat" cmpd="sng" algn="ctr">
             <a:noFill/>
@@ -3685,7 +3685,7 @@
           <p:cNvPr id="9" name="직선 연결선 8">
             <a:extLst>
               <a:ext uri="{FF2B5EF4-FFF2-40B4-BE49-F238E27FC236}">
-                <a16:creationId xmlns:a16="http://schemas.microsoft.com/office/drawing/2014/main" id="{083226EB-AFA8-5E91-BA59-47EACFB2335B}"/>
+                <a16:creationId xmlns:a16="http://schemas.microsoft.com/office/drawing/2014/main" id="{72ED3BD7-F1A5-AC04-F77E-AC9C9AFA65C5}"/>
               </a:ext>
             </a:extLst>
           </p:cNvPr>
@@ -3726,7 +3726,7 @@
           <p:cNvPr id="10" name="직사각형 9">
             <a:extLst>
               <a:ext uri="{FF2B5EF4-FFF2-40B4-BE49-F238E27FC236}">
-                <a16:creationId xmlns:a16="http://schemas.microsoft.com/office/drawing/2014/main" id="{E9D1ABA0-BB96-C12E-4A9B-095A08204E26}"/>
+                <a16:creationId xmlns:a16="http://schemas.microsoft.com/office/drawing/2014/main" id="{B7591851-E8E6-CDF8-804F-BEE5835D37DA}"/>
               </a:ext>
             </a:extLst>
           </p:cNvPr>
@@ -3742,7 +3742,7 @@
             <a:avLst/>
           </a:prstGeom>
           <a:solidFill>
-            <a:srgbClr val="FFFFFF"/>
+            <a:srgbClr val="000000"/>
           </a:solidFill>
           <a:ln w="12700" cap="flat" cmpd="sng" algn="ctr">
             <a:noFill/>
@@ -3787,7 +3787,7 @@
           <p:cNvPr id="11" name="직선 연결선 10">
             <a:extLst>
               <a:ext uri="{FF2B5EF4-FFF2-40B4-BE49-F238E27FC236}">
-                <a16:creationId xmlns:a16="http://schemas.microsoft.com/office/drawing/2014/main" id="{6AEB145E-2591-2807-72F1-C44A1446C255}"/>
+                <a16:creationId xmlns:a16="http://schemas.microsoft.com/office/drawing/2014/main" id="{4AC96EDB-0A36-86BF-C7A1-1D5366444971}"/>
               </a:ext>
             </a:extLst>
           </p:cNvPr>
@@ -3829,7 +3829,7 @@
           <p:cNvPr id="12" name="직사각형 11">
             <a:extLst>
               <a:ext uri="{FF2B5EF4-FFF2-40B4-BE49-F238E27FC236}">
-                <a16:creationId xmlns:a16="http://schemas.microsoft.com/office/drawing/2014/main" id="{2AC063B4-827F-136B-965A-4F42A9BA6542}"/>
+                <a16:creationId xmlns:a16="http://schemas.microsoft.com/office/drawing/2014/main" id="{5CF42422-39A1-8807-3359-564B23F0264B}"/>
               </a:ext>
             </a:extLst>
           </p:cNvPr>
@@ -3845,7 +3845,7 @@
             <a:avLst/>
           </a:prstGeom>
           <a:solidFill>
-            <a:srgbClr val="FFFFFF"/>
+            <a:srgbClr val="000000"/>
           </a:solidFill>
           <a:ln w="12700" cap="flat" cmpd="sng" algn="ctr">
             <a:noFill/>
@@ -3890,7 +3890,7 @@
           <p:cNvPr id="13" name="직선 연결선 12">
             <a:extLst>
               <a:ext uri="{FF2B5EF4-FFF2-40B4-BE49-F238E27FC236}">
-                <a16:creationId xmlns:a16="http://schemas.microsoft.com/office/drawing/2014/main" id="{B4ADDD49-2AA6-7661-304D-32FEC8EBCEE5}"/>
+                <a16:creationId xmlns:a16="http://schemas.microsoft.com/office/drawing/2014/main" id="{3200FA21-560C-AA69-9E8B-F13B94A74B74}"/>
               </a:ext>
             </a:extLst>
           </p:cNvPr>
@@ -3932,7 +3932,7 @@
           <p:cNvPr id="14" name="직사각형 13">
             <a:extLst>
               <a:ext uri="{FF2B5EF4-FFF2-40B4-BE49-F238E27FC236}">
-                <a16:creationId xmlns:a16="http://schemas.microsoft.com/office/drawing/2014/main" id="{1BFE38AC-6B3D-88F1-5671-F98EB9568328}"/>
+                <a16:creationId xmlns:a16="http://schemas.microsoft.com/office/drawing/2014/main" id="{629635AE-DCEA-C69C-B91B-82533A42E606}"/>
               </a:ext>
             </a:extLst>
           </p:cNvPr>
@@ -3948,7 +3948,7 @@
             <a:avLst/>
           </a:prstGeom>
           <a:solidFill>
-            <a:srgbClr val="FFFFFF"/>
+            <a:srgbClr val="000000"/>
           </a:solidFill>
           <a:ln w="12700" cap="flat" cmpd="sng" algn="ctr">
             <a:noFill/>
@@ -3993,7 +3993,7 @@
           <p:cNvPr id="15" name="직선 연결선 14">
             <a:extLst>
               <a:ext uri="{FF2B5EF4-FFF2-40B4-BE49-F238E27FC236}">
-                <a16:creationId xmlns:a16="http://schemas.microsoft.com/office/drawing/2014/main" id="{F62FC7CE-F252-C72C-9FFC-1A7C176AECFF}"/>
+                <a16:creationId xmlns:a16="http://schemas.microsoft.com/office/drawing/2014/main" id="{AB0026C2-0B51-3C21-4974-1C677E188FB1}"/>
               </a:ext>
             </a:extLst>
           </p:cNvPr>
@@ -4035,7 +4035,7 @@
           <p:cNvPr id="16" name="직사각형 15">
             <a:extLst>
               <a:ext uri="{FF2B5EF4-FFF2-40B4-BE49-F238E27FC236}">
-                <a16:creationId xmlns:a16="http://schemas.microsoft.com/office/drawing/2014/main" id="{7F4F71A6-4DB4-7B7F-25DC-72065CA8B9A7}"/>
+                <a16:creationId xmlns:a16="http://schemas.microsoft.com/office/drawing/2014/main" id="{F00FC88B-5638-49F2-F914-FFD771791883}"/>
               </a:ext>
             </a:extLst>
           </p:cNvPr>
@@ -4051,7 +4051,7 @@
             <a:avLst/>
           </a:prstGeom>
           <a:solidFill>
-            <a:srgbClr val="FFFFFF"/>
+            <a:srgbClr val="000000"/>
           </a:solidFill>
           <a:ln w="12700" cap="flat" cmpd="sng" algn="ctr">
             <a:noFill/>
@@ -4096,7 +4096,7 @@
           <p:cNvPr id="17" name="직선 연결선 16">
             <a:extLst>
               <a:ext uri="{FF2B5EF4-FFF2-40B4-BE49-F238E27FC236}">
-                <a16:creationId xmlns:a16="http://schemas.microsoft.com/office/drawing/2014/main" id="{B8CE8FCB-D8CF-01F5-8625-3CEF4BAF4FDF}"/>
+                <a16:creationId xmlns:a16="http://schemas.microsoft.com/office/drawing/2014/main" id="{8E2CE5F0-0EA0-300A-887C-AD70D4FEC3D5}"/>
               </a:ext>
             </a:extLst>
           </p:cNvPr>
@@ -4136,7 +4136,7 @@
     </p:spTree>
     <p:extLst>
       <p:ext uri="{BB962C8B-B14F-4D97-AF65-F5344CB8AC3E}">
-        <p14:creationId xmlns:p14="http://schemas.microsoft.com/office/powerpoint/2010/main" val="3280377338"/>
+        <p14:creationId xmlns:p14="http://schemas.microsoft.com/office/powerpoint/2010/main" val="2712451724"/>
       </p:ext>
     </p:extLst>
   </p:cSld>
